--- a/Environmental Sound Classification.pptx
+++ b/Environmental Sound Classification.pptx
@@ -132,7 +132,7 @@
 <file path=ppt/revisionInfo.xml><?xml version="1.0" encoding="utf-8"?>
 <p1510:revInfo xmlns:a="http://schemas.openxmlformats.org/drawingml/2006/main" xmlns:r="http://schemas.openxmlformats.org/officeDocument/2006/relationships" xmlns:p1510="http://schemas.microsoft.com/office/powerpoint/2015/10/main">
   <p1510:revLst>
-    <p1510:client id="{819F42D1-B850-44B1-B857-2C5556EEEE5F}" v="10" dt="2024-06-04T16:36:19.164"/>
+    <p1510:client id="{819F42D1-B850-44B1-B857-2C5556EEEE5F}" v="16" dt="2024-06-20T15:54:59.950"/>
   </p1510:revLst>
 </p1510:revInfo>
 </file>
@@ -142,7 +142,7 @@
   <pc:docChgLst>
     <pc:chgData name="George Apostolakis" userId="0273ff1191383941" providerId="LiveId" clId="{819F42D1-B850-44B1-B857-2C5556EEEE5F}"/>
     <pc:docChg chg="undo custSel addSld delSld modSld sldOrd">
-      <pc:chgData name="George Apostolakis" userId="0273ff1191383941" providerId="LiveId" clId="{819F42D1-B850-44B1-B857-2C5556EEEE5F}" dt="2024-06-11T08:30:00.125" v="988" actId="20577"/>
+      <pc:chgData name="George Apostolakis" userId="0273ff1191383941" providerId="LiveId" clId="{819F42D1-B850-44B1-B857-2C5556EEEE5F}" dt="2024-06-20T15:56:34.449" v="1128" actId="20577"/>
       <pc:docMkLst>
         <pc:docMk/>
       </pc:docMkLst>
@@ -505,11 +505,19 @@
         </pc:picChg>
       </pc:sldChg>
       <pc:sldChg chg="addSp delSp modSp add mod ord">
-        <pc:chgData name="George Apostolakis" userId="0273ff1191383941" providerId="LiveId" clId="{819F42D1-B850-44B1-B857-2C5556EEEE5F}" dt="2024-06-06T15:55:43.679" v="910" actId="14100"/>
+        <pc:chgData name="George Apostolakis" userId="0273ff1191383941" providerId="LiveId" clId="{819F42D1-B850-44B1-B857-2C5556EEEE5F}" dt="2024-06-20T15:54:41.194" v="1105" actId="1076"/>
         <pc:sldMkLst>
           <pc:docMk/>
           <pc:sldMk cId="2719555656" sldId="266"/>
         </pc:sldMkLst>
+        <pc:spChg chg="add mod">
+          <ac:chgData name="George Apostolakis" userId="0273ff1191383941" providerId="LiveId" clId="{819F42D1-B850-44B1-B857-2C5556EEEE5F}" dt="2024-06-20T15:54:41.194" v="1105" actId="1076"/>
+          <ac:spMkLst>
+            <pc:docMk/>
+            <pc:sldMk cId="2719555656" sldId="266"/>
+            <ac:spMk id="2" creationId="{4A60817D-0D4F-EA8A-EB5A-5139DDEC4520}"/>
+          </ac:spMkLst>
+        </pc:spChg>
         <pc:spChg chg="del">
           <ac:chgData name="George Apostolakis" userId="0273ff1191383941" providerId="LiveId" clId="{819F42D1-B850-44B1-B857-2C5556EEEE5F}" dt="2024-06-04T16:20:48.170" v="802" actId="478"/>
           <ac:spMkLst>
@@ -629,11 +637,19 @@
         </pc:picChg>
       </pc:sldChg>
       <pc:sldChg chg="addSp delSp modSp add mod ord">
-        <pc:chgData name="George Apostolakis" userId="0273ff1191383941" providerId="LiveId" clId="{819F42D1-B850-44B1-B857-2C5556EEEE5F}" dt="2024-06-10T11:23:21.667" v="951" actId="1076"/>
+        <pc:chgData name="George Apostolakis" userId="0273ff1191383941" providerId="LiveId" clId="{819F42D1-B850-44B1-B857-2C5556EEEE5F}" dt="2024-06-20T15:56:34.449" v="1128" actId="20577"/>
         <pc:sldMkLst>
           <pc:docMk/>
           <pc:sldMk cId="4292421667" sldId="270"/>
         </pc:sldMkLst>
+        <pc:spChg chg="add mod">
+          <ac:chgData name="George Apostolakis" userId="0273ff1191383941" providerId="LiveId" clId="{819F42D1-B850-44B1-B857-2C5556EEEE5F}" dt="2024-06-20T15:56:34.449" v="1128" actId="20577"/>
+          <ac:spMkLst>
+            <pc:docMk/>
+            <pc:sldMk cId="4292421667" sldId="270"/>
+            <ac:spMk id="2" creationId="{53E3E5E8-8CA6-03DB-06F7-93D77171F4C9}"/>
+          </ac:spMkLst>
+        </pc:spChg>
         <pc:picChg chg="add mod">
           <ac:chgData name="George Apostolakis" userId="0273ff1191383941" providerId="LiveId" clId="{819F42D1-B850-44B1-B857-2C5556EEEE5F}" dt="2024-06-10T11:23:21.667" v="951" actId="1076"/>
           <ac:picMkLst>
@@ -738,7 +754,7 @@
           <a:p>
             <a:fld id="{A20AB77E-9112-489A-BA5F-C4445A99AE4D}" type="datetimeFigureOut">
               <a:rPr lang="en-US" smtClean="0"/>
-              <a:t>6/10/2024</a:t>
+              <a:t>6/20/2024</a:t>
             </a:fld>
             <a:endParaRPr lang="en-US"/>
           </a:p>
@@ -1410,7 +1426,7 @@
           <a:p>
             <a:fld id="{F6CCBF3A-D7FB-4B97-8FD5-6FFB20CB1E84}" type="datetimeFigureOut">
               <a:rPr lang="en-US" smtClean="0"/>
-              <a:t>6/10/2024</a:t>
+              <a:t>6/20/2024</a:t>
             </a:fld>
             <a:endParaRPr lang="en-US"/>
           </a:p>
@@ -1651,7 +1667,7 @@
           <a:p>
             <a:fld id="{F6CCBF3A-D7FB-4B97-8FD5-6FFB20CB1E84}" type="datetimeFigureOut">
               <a:rPr lang="en-US" smtClean="0"/>
-              <a:t>6/10/2024</a:t>
+              <a:t>6/20/2024</a:t>
             </a:fld>
             <a:endParaRPr lang="en-US"/>
           </a:p>
@@ -1860,7 +1876,7 @@
           <a:p>
             <a:fld id="{F6CCBF3A-D7FB-4B97-8FD5-6FFB20CB1E84}" type="datetimeFigureOut">
               <a:rPr lang="en-US" smtClean="0"/>
-              <a:t>6/10/2024</a:t>
+              <a:t>6/20/2024</a:t>
             </a:fld>
             <a:endParaRPr lang="en-US"/>
           </a:p>
@@ -2102,7 +2118,7 @@
           <a:p>
             <a:fld id="{F6CCBF3A-D7FB-4B97-8FD5-6FFB20CB1E84}" type="datetimeFigureOut">
               <a:rPr lang="en-US" smtClean="0"/>
-              <a:t>6/10/2024</a:t>
+              <a:t>6/20/2024</a:t>
             </a:fld>
             <a:endParaRPr lang="en-US"/>
           </a:p>
@@ -2380,7 +2396,7 @@
           <a:p>
             <a:fld id="{F6CCBF3A-D7FB-4B97-8FD5-6FFB20CB1E84}" type="datetimeFigureOut">
               <a:rPr lang="en-US" smtClean="0"/>
-              <a:t>6/10/2024</a:t>
+              <a:t>6/20/2024</a:t>
             </a:fld>
             <a:endParaRPr lang="en-US"/>
           </a:p>
@@ -2646,7 +2662,7 @@
           <a:p>
             <a:fld id="{F6CCBF3A-D7FB-4B97-8FD5-6FFB20CB1E84}" type="datetimeFigureOut">
               <a:rPr lang="en-US" smtClean="0"/>
-              <a:t>6/10/2024</a:t>
+              <a:t>6/20/2024</a:t>
             </a:fld>
             <a:endParaRPr lang="en-US"/>
           </a:p>
@@ -3059,7 +3075,7 @@
           <a:p>
             <a:fld id="{F6CCBF3A-D7FB-4B97-8FD5-6FFB20CB1E84}" type="datetimeFigureOut">
               <a:rPr lang="en-US" smtClean="0"/>
-              <a:t>6/10/2024</a:t>
+              <a:t>6/20/2024</a:t>
             </a:fld>
             <a:endParaRPr lang="en-US"/>
           </a:p>
@@ -3206,7 +3222,7 @@
           <a:p>
             <a:fld id="{F6CCBF3A-D7FB-4B97-8FD5-6FFB20CB1E84}" type="datetimeFigureOut">
               <a:rPr lang="en-US" smtClean="0"/>
-              <a:t>6/10/2024</a:t>
+              <a:t>6/20/2024</a:t>
             </a:fld>
             <a:endParaRPr lang="en-US"/>
           </a:p>
@@ -3319,7 +3335,7 @@
           <a:p>
             <a:fld id="{F6CCBF3A-D7FB-4B97-8FD5-6FFB20CB1E84}" type="datetimeFigureOut">
               <a:rPr lang="en-US" smtClean="0"/>
-              <a:t>6/10/2024</a:t>
+              <a:t>6/20/2024</a:t>
             </a:fld>
             <a:endParaRPr lang="en-US"/>
           </a:p>
@@ -3631,7 +3647,7 @@
           <a:p>
             <a:fld id="{F6CCBF3A-D7FB-4B97-8FD5-6FFB20CB1E84}" type="datetimeFigureOut">
               <a:rPr lang="en-US" smtClean="0"/>
-              <a:t>6/10/2024</a:t>
+              <a:t>6/20/2024</a:t>
             </a:fld>
             <a:endParaRPr lang="en-US"/>
           </a:p>
@@ -3966,7 +3982,7 @@
           <a:p>
             <a:fld id="{F6CCBF3A-D7FB-4B97-8FD5-6FFB20CB1E84}" type="datetimeFigureOut">
               <a:rPr lang="en-US" smtClean="0"/>
-              <a:t>6/10/2024</a:t>
+              <a:t>6/20/2024</a:t>
             </a:fld>
             <a:endParaRPr lang="en-US"/>
           </a:p>
@@ -4250,7 +4266,7 @@
           <a:p>
             <a:fld id="{F6CCBF3A-D7FB-4B97-8FD5-6FFB20CB1E84}" type="datetimeFigureOut">
               <a:rPr lang="en-US" smtClean="0"/>
-              <a:t>6/10/2024</a:t>
+              <a:t>6/20/2024</a:t>
             </a:fld>
             <a:endParaRPr lang="en-US"/>
           </a:p>
@@ -5222,6 +5238,344 @@
           </a:prstGeom>
         </p:spPr>
       </p:pic>
+      <p:sp>
+        <p:nvSpPr>
+          <p:cNvPr id="2" name="TextBox 1">
+            <a:extLst>
+              <a:ext uri="{FF2B5EF4-FFF2-40B4-BE49-F238E27FC236}">
+                <a16:creationId xmlns:a16="http://schemas.microsoft.com/office/drawing/2014/main" id="{4A60817D-0D4F-EA8A-EB5A-5139DDEC4520}"/>
+              </a:ext>
+            </a:extLst>
+          </p:cNvPr>
+          <p:cNvSpPr txBox="1"/>
+          <p:nvPr/>
+        </p:nvSpPr>
+        <p:spPr>
+          <a:xfrm>
+            <a:off x="2896589" y="179249"/>
+            <a:ext cx="3316224" cy="6678751"/>
+          </a:xfrm>
+          <a:prstGeom prst="rect">
+            <a:avLst/>
+          </a:prstGeom>
+          <a:noFill/>
+        </p:spPr>
+        <p:txBody>
+          <a:bodyPr wrap="square" rtlCol="0">
+            <a:spAutoFit/>
+          </a:bodyPr>
+          <a:lstStyle/>
+          <a:p>
+            <a:r>
+              <a:rPr lang="en-US" sz="1400" dirty="0">
+                <a:latin typeface="Aptos" panose="020B0004020202020204" pitchFamily="34" charset="0"/>
+              </a:rPr>
+              <a:t>Conv2d-1</a:t>
+            </a:r>
+          </a:p>
+          <a:p>
+            <a:pPr marL="285750" indent="-285750">
+              <a:buFont typeface="Arial" panose="020B0604020202020204" pitchFamily="34" charset="0"/>
+              <a:buChar char="•"/>
+            </a:pPr>
+            <a:r>
+              <a:rPr lang="en-US" sz="1400" dirty="0">
+                <a:latin typeface="Aptos" panose="020B0004020202020204" pitchFamily="34" charset="0"/>
+              </a:rPr>
+              <a:t>out channels: 8</a:t>
+            </a:r>
+          </a:p>
+          <a:p>
+            <a:pPr marL="285750" indent="-285750">
+              <a:buFont typeface="Arial" panose="020B0604020202020204" pitchFamily="34" charset="0"/>
+              <a:buChar char="•"/>
+            </a:pPr>
+            <a:r>
+              <a:rPr lang="en-US" sz="1400" dirty="0">
+                <a:latin typeface="Aptos" panose="020B0004020202020204" pitchFamily="34" charset="0"/>
+              </a:rPr>
+              <a:t>kernel: 3</a:t>
+            </a:r>
+          </a:p>
+          <a:p>
+            <a:pPr marL="285750" indent="-285750">
+              <a:buFont typeface="Arial" panose="020B0604020202020204" pitchFamily="34" charset="0"/>
+              <a:buChar char="•"/>
+            </a:pPr>
+            <a:r>
+              <a:rPr lang="en-US" sz="1400" dirty="0">
+                <a:latin typeface="Aptos" panose="020B0004020202020204" pitchFamily="34" charset="0"/>
+              </a:rPr>
+              <a:t>stride: 2</a:t>
+            </a:r>
+          </a:p>
+          <a:p>
+            <a:pPr marL="285750" indent="-285750">
+              <a:buFont typeface="Arial" panose="020B0604020202020204" pitchFamily="34" charset="0"/>
+              <a:buChar char="•"/>
+            </a:pPr>
+            <a:r>
+              <a:rPr lang="en-US" sz="1400" dirty="0">
+                <a:latin typeface="Aptos" panose="020B0004020202020204" pitchFamily="34" charset="0"/>
+              </a:rPr>
+              <a:t>padding: 1</a:t>
+            </a:r>
+          </a:p>
+          <a:p>
+            <a:pPr marL="285750" indent="-285750">
+              <a:buFont typeface="Arial" panose="020B0604020202020204" pitchFamily="34" charset="0"/>
+              <a:buChar char="•"/>
+            </a:pPr>
+            <a:endParaRPr lang="en-US" sz="1400" dirty="0">
+              <a:latin typeface="Aptos" panose="020B0004020202020204" pitchFamily="34" charset="0"/>
+            </a:endParaRPr>
+          </a:p>
+          <a:p>
+            <a:r>
+              <a:rPr lang="en-US" sz="1400" dirty="0">
+                <a:latin typeface="Aptos" panose="020B0004020202020204" pitchFamily="34" charset="0"/>
+              </a:rPr>
+              <a:t>Conv2d-5</a:t>
+            </a:r>
+          </a:p>
+          <a:p>
+            <a:pPr marL="285750" indent="-285750">
+              <a:buFont typeface="Arial" panose="020B0604020202020204" pitchFamily="34" charset="0"/>
+              <a:buChar char="•"/>
+            </a:pPr>
+            <a:r>
+              <a:rPr lang="en-US" sz="1400" dirty="0">
+                <a:latin typeface="Aptos" panose="020B0004020202020204" pitchFamily="34" charset="0"/>
+              </a:rPr>
+              <a:t>out channels: 16</a:t>
+            </a:r>
+          </a:p>
+          <a:p>
+            <a:pPr marL="285750" indent="-285750">
+              <a:buFont typeface="Arial" panose="020B0604020202020204" pitchFamily="34" charset="0"/>
+              <a:buChar char="•"/>
+            </a:pPr>
+            <a:r>
+              <a:rPr lang="en-US" sz="1400" dirty="0">
+                <a:latin typeface="Aptos" panose="020B0004020202020204" pitchFamily="34" charset="0"/>
+              </a:rPr>
+              <a:t>kernel: 3</a:t>
+            </a:r>
+          </a:p>
+          <a:p>
+            <a:pPr marL="285750" indent="-285750">
+              <a:buFont typeface="Arial" panose="020B0604020202020204" pitchFamily="34" charset="0"/>
+              <a:buChar char="•"/>
+            </a:pPr>
+            <a:r>
+              <a:rPr lang="en-US" sz="1400" dirty="0">
+                <a:latin typeface="Aptos" panose="020B0004020202020204" pitchFamily="34" charset="0"/>
+              </a:rPr>
+              <a:t>stride: 1</a:t>
+            </a:r>
+          </a:p>
+          <a:p>
+            <a:pPr marL="285750" indent="-285750">
+              <a:buFont typeface="Arial" panose="020B0604020202020204" pitchFamily="34" charset="0"/>
+              <a:buChar char="•"/>
+            </a:pPr>
+            <a:r>
+              <a:rPr lang="en-US" sz="1400" dirty="0">
+                <a:latin typeface="Aptos" panose="020B0004020202020204" pitchFamily="34" charset="0"/>
+              </a:rPr>
+              <a:t>padding: 1</a:t>
+            </a:r>
+          </a:p>
+          <a:p>
+            <a:endParaRPr lang="en-US" sz="1400" dirty="0">
+              <a:latin typeface="Aptos" panose="020B0004020202020204" pitchFamily="34" charset="0"/>
+            </a:endParaRPr>
+          </a:p>
+          <a:p>
+            <a:r>
+              <a:rPr lang="en-US" sz="1400" dirty="0">
+                <a:latin typeface="Aptos" panose="020B0004020202020204" pitchFamily="34" charset="0"/>
+              </a:rPr>
+              <a:t>Conv2d-9</a:t>
+            </a:r>
+          </a:p>
+          <a:p>
+            <a:pPr marL="285750" indent="-285750">
+              <a:buFont typeface="Arial" panose="020B0604020202020204" pitchFamily="34" charset="0"/>
+              <a:buChar char="•"/>
+            </a:pPr>
+            <a:r>
+              <a:rPr lang="en-US" sz="1400" dirty="0">
+                <a:latin typeface="Aptos" panose="020B0004020202020204" pitchFamily="34" charset="0"/>
+              </a:rPr>
+              <a:t>out channels: 32</a:t>
+            </a:r>
+          </a:p>
+          <a:p>
+            <a:pPr marL="285750" indent="-285750">
+              <a:buFont typeface="Arial" panose="020B0604020202020204" pitchFamily="34" charset="0"/>
+              <a:buChar char="•"/>
+            </a:pPr>
+            <a:r>
+              <a:rPr lang="en-US" sz="1400" dirty="0">
+                <a:latin typeface="Aptos" panose="020B0004020202020204" pitchFamily="34" charset="0"/>
+              </a:rPr>
+              <a:t>kernel: 1</a:t>
+            </a:r>
+          </a:p>
+          <a:p>
+            <a:pPr marL="285750" indent="-285750">
+              <a:buFont typeface="Arial" panose="020B0604020202020204" pitchFamily="34" charset="0"/>
+              <a:buChar char="•"/>
+            </a:pPr>
+            <a:r>
+              <a:rPr lang="en-US" sz="1400" dirty="0">
+                <a:latin typeface="Aptos" panose="020B0004020202020204" pitchFamily="34" charset="0"/>
+              </a:rPr>
+              <a:t>stride: 2</a:t>
+            </a:r>
+          </a:p>
+          <a:p>
+            <a:pPr marL="285750" indent="-285750">
+              <a:buFont typeface="Arial" panose="020B0604020202020204" pitchFamily="34" charset="0"/>
+              <a:buChar char="•"/>
+            </a:pPr>
+            <a:r>
+              <a:rPr lang="en-US" sz="1400" dirty="0">
+                <a:latin typeface="Aptos" panose="020B0004020202020204" pitchFamily="34" charset="0"/>
+              </a:rPr>
+              <a:t>padding: 1</a:t>
+            </a:r>
+          </a:p>
+          <a:p>
+            <a:endParaRPr lang="en-US" sz="1400" dirty="0">
+              <a:latin typeface="Aptos" panose="020B0004020202020204" pitchFamily="34" charset="0"/>
+            </a:endParaRPr>
+          </a:p>
+          <a:p>
+            <a:r>
+              <a:rPr lang="en-US" sz="1400" dirty="0">
+                <a:latin typeface="Aptos" panose="020B0004020202020204" pitchFamily="34" charset="0"/>
+              </a:rPr>
+              <a:t>Conv2d-13</a:t>
+            </a:r>
+          </a:p>
+          <a:p>
+            <a:pPr marL="285750" indent="-285750">
+              <a:buFont typeface="Arial" panose="020B0604020202020204" pitchFamily="34" charset="0"/>
+              <a:buChar char="•"/>
+            </a:pPr>
+            <a:r>
+              <a:rPr lang="en-US" sz="1400" dirty="0">
+                <a:latin typeface="Aptos" panose="020B0004020202020204" pitchFamily="34" charset="0"/>
+              </a:rPr>
+              <a:t>out channels: 64</a:t>
+            </a:r>
+          </a:p>
+          <a:p>
+            <a:pPr marL="285750" indent="-285750">
+              <a:buFont typeface="Arial" panose="020B0604020202020204" pitchFamily="34" charset="0"/>
+              <a:buChar char="•"/>
+            </a:pPr>
+            <a:r>
+              <a:rPr lang="en-US" sz="1400" dirty="0">
+                <a:latin typeface="Aptos" panose="020B0004020202020204" pitchFamily="34" charset="0"/>
+              </a:rPr>
+              <a:t>kernel: 1</a:t>
+            </a:r>
+          </a:p>
+          <a:p>
+            <a:pPr marL="285750" indent="-285750">
+              <a:buFont typeface="Arial" panose="020B0604020202020204" pitchFamily="34" charset="0"/>
+              <a:buChar char="•"/>
+            </a:pPr>
+            <a:r>
+              <a:rPr lang="en-US" sz="1400" dirty="0">
+                <a:latin typeface="Aptos" panose="020B0004020202020204" pitchFamily="34" charset="0"/>
+              </a:rPr>
+              <a:t>stride: 2</a:t>
+            </a:r>
+          </a:p>
+          <a:p>
+            <a:pPr marL="285750" indent="-285750">
+              <a:buFont typeface="Arial" panose="020B0604020202020204" pitchFamily="34" charset="0"/>
+              <a:buChar char="•"/>
+            </a:pPr>
+            <a:r>
+              <a:rPr lang="en-US" sz="1400" dirty="0">
+                <a:latin typeface="Aptos" panose="020B0004020202020204" pitchFamily="34" charset="0"/>
+              </a:rPr>
+              <a:t>padding: 1</a:t>
+            </a:r>
+          </a:p>
+          <a:p>
+            <a:endParaRPr lang="en-US" dirty="0">
+              <a:latin typeface="Aptos" panose="020B0004020202020204" pitchFamily="34" charset="0"/>
+            </a:endParaRPr>
+          </a:p>
+          <a:p>
+            <a:r>
+              <a:rPr lang="en-US" sz="1400" dirty="0">
+                <a:latin typeface="Aptos" panose="020B0004020202020204" pitchFamily="34" charset="0"/>
+              </a:rPr>
+              <a:t>Conv2d-17</a:t>
+            </a:r>
+          </a:p>
+          <a:p>
+            <a:pPr marL="285750" indent="-285750">
+              <a:buFont typeface="Arial" panose="020B0604020202020204" pitchFamily="34" charset="0"/>
+              <a:buChar char="•"/>
+            </a:pPr>
+            <a:r>
+              <a:rPr lang="en-US" sz="1400" dirty="0">
+                <a:latin typeface="Aptos" panose="020B0004020202020204" pitchFamily="34" charset="0"/>
+              </a:rPr>
+              <a:t>out channels: 128</a:t>
+            </a:r>
+          </a:p>
+          <a:p>
+            <a:pPr marL="285750" indent="-285750">
+              <a:buFont typeface="Arial" panose="020B0604020202020204" pitchFamily="34" charset="0"/>
+              <a:buChar char="•"/>
+            </a:pPr>
+            <a:r>
+              <a:rPr lang="en-US" sz="1400" dirty="0">
+                <a:latin typeface="Aptos" panose="020B0004020202020204" pitchFamily="34" charset="0"/>
+              </a:rPr>
+              <a:t>kernel: 1</a:t>
+            </a:r>
+          </a:p>
+          <a:p>
+            <a:pPr marL="285750" indent="-285750">
+              <a:buFont typeface="Arial" panose="020B0604020202020204" pitchFamily="34" charset="0"/>
+              <a:buChar char="•"/>
+            </a:pPr>
+            <a:r>
+              <a:rPr lang="en-US" sz="1400" dirty="0">
+                <a:latin typeface="Aptos" panose="020B0004020202020204" pitchFamily="34" charset="0"/>
+              </a:rPr>
+              <a:t>stride: 2</a:t>
+            </a:r>
+          </a:p>
+          <a:p>
+            <a:pPr marL="285750" indent="-285750">
+              <a:buFont typeface="Arial" panose="020B0604020202020204" pitchFamily="34" charset="0"/>
+              <a:buChar char="•"/>
+            </a:pPr>
+            <a:r>
+              <a:rPr lang="en-US" sz="1400" dirty="0">
+                <a:latin typeface="Aptos" panose="020B0004020202020204" pitchFamily="34" charset="0"/>
+              </a:rPr>
+              <a:t>padding: 1</a:t>
+            </a:r>
+          </a:p>
+          <a:p>
+            <a:endParaRPr lang="en-US" dirty="0">
+              <a:latin typeface="Aptos" panose="020B0004020202020204" pitchFamily="34" charset="0"/>
+            </a:endParaRPr>
+          </a:p>
+        </p:txBody>
+      </p:sp>
     </p:spTree>
     <p:extLst>
       <p:ext uri="{BB962C8B-B14F-4D97-AF65-F5344CB8AC3E}">
@@ -6228,6 +6582,231 @@
           </a:prstGeom>
         </p:spPr>
       </p:pic>
+      <p:sp>
+        <p:nvSpPr>
+          <p:cNvPr id="2" name="TextBox 1">
+            <a:extLst>
+              <a:ext uri="{FF2B5EF4-FFF2-40B4-BE49-F238E27FC236}">
+                <a16:creationId xmlns:a16="http://schemas.microsoft.com/office/drawing/2014/main" id="{53E3E5E8-8CA6-03DB-06F7-93D77171F4C9}"/>
+              </a:ext>
+            </a:extLst>
+          </p:cNvPr>
+          <p:cNvSpPr txBox="1"/>
+          <p:nvPr/>
+        </p:nvSpPr>
+        <p:spPr>
+          <a:xfrm>
+            <a:off x="2915572" y="179249"/>
+            <a:ext cx="3316224" cy="4031873"/>
+          </a:xfrm>
+          <a:prstGeom prst="rect">
+            <a:avLst/>
+          </a:prstGeom>
+          <a:noFill/>
+        </p:spPr>
+        <p:txBody>
+          <a:bodyPr wrap="square" rtlCol="0">
+            <a:spAutoFit/>
+          </a:bodyPr>
+          <a:lstStyle/>
+          <a:p>
+            <a:r>
+              <a:rPr lang="en-US" sz="1400" dirty="0">
+                <a:latin typeface="Aptos" panose="020B0004020202020204" pitchFamily="34" charset="0"/>
+              </a:rPr>
+              <a:t>Conv2d-70</a:t>
+            </a:r>
+          </a:p>
+          <a:p>
+            <a:pPr marL="285750" indent="-285750">
+              <a:buFont typeface="Arial" panose="020B0604020202020204" pitchFamily="34" charset="0"/>
+              <a:buChar char="•"/>
+            </a:pPr>
+            <a:r>
+              <a:rPr lang="en-US" sz="1400" dirty="0">
+                <a:latin typeface="Aptos" panose="020B0004020202020204" pitchFamily="34" charset="0"/>
+              </a:rPr>
+              <a:t>out channels: 64</a:t>
+            </a:r>
+          </a:p>
+          <a:p>
+            <a:pPr marL="285750" indent="-285750">
+              <a:buFont typeface="Arial" panose="020B0604020202020204" pitchFamily="34" charset="0"/>
+              <a:buChar char="•"/>
+            </a:pPr>
+            <a:r>
+              <a:rPr lang="en-US" sz="1400" dirty="0">
+                <a:latin typeface="Aptos" panose="020B0004020202020204" pitchFamily="34" charset="0"/>
+              </a:rPr>
+              <a:t>kernel: 3</a:t>
+            </a:r>
+          </a:p>
+          <a:p>
+            <a:pPr marL="285750" indent="-285750">
+              <a:buFont typeface="Arial" panose="020B0604020202020204" pitchFamily="34" charset="0"/>
+              <a:buChar char="•"/>
+            </a:pPr>
+            <a:r>
+              <a:rPr lang="en-US" sz="1400" dirty="0">
+                <a:latin typeface="Aptos" panose="020B0004020202020204" pitchFamily="34" charset="0"/>
+              </a:rPr>
+              <a:t>stride: 1</a:t>
+            </a:r>
+          </a:p>
+          <a:p>
+            <a:pPr marL="285750" indent="-285750">
+              <a:buFont typeface="Arial" panose="020B0604020202020204" pitchFamily="34" charset="0"/>
+              <a:buChar char="•"/>
+            </a:pPr>
+            <a:r>
+              <a:rPr lang="en-US" sz="1400" dirty="0">
+                <a:latin typeface="Aptos" panose="020B0004020202020204" pitchFamily="34" charset="0"/>
+              </a:rPr>
+              <a:t>padding: 1</a:t>
+            </a:r>
+          </a:p>
+          <a:p>
+            <a:pPr marL="285750" indent="-285750">
+              <a:buFont typeface="Arial" panose="020B0604020202020204" pitchFamily="34" charset="0"/>
+              <a:buChar char="•"/>
+            </a:pPr>
+            <a:endParaRPr lang="en-US" sz="1400" dirty="0">
+              <a:latin typeface="Aptos" panose="020B0004020202020204" pitchFamily="34" charset="0"/>
+            </a:endParaRPr>
+          </a:p>
+          <a:p>
+            <a:r>
+              <a:rPr lang="en-US" sz="1400" dirty="0">
+                <a:latin typeface="Aptos" panose="020B0004020202020204" pitchFamily="34" charset="0"/>
+              </a:rPr>
+              <a:t>Conv2d-72</a:t>
+            </a:r>
+          </a:p>
+          <a:p>
+            <a:pPr marL="285750" indent="-285750">
+              <a:buFont typeface="Arial" panose="020B0604020202020204" pitchFamily="34" charset="0"/>
+              <a:buChar char="•"/>
+            </a:pPr>
+            <a:r>
+              <a:rPr lang="en-US" sz="1400" dirty="0">
+                <a:latin typeface="Aptos" panose="020B0004020202020204" pitchFamily="34" charset="0"/>
+              </a:rPr>
+              <a:t>out channels: 128</a:t>
+            </a:r>
+          </a:p>
+          <a:p>
+            <a:pPr marL="285750" indent="-285750">
+              <a:buFont typeface="Arial" panose="020B0604020202020204" pitchFamily="34" charset="0"/>
+              <a:buChar char="•"/>
+            </a:pPr>
+            <a:r>
+              <a:rPr lang="en-US" sz="1400" dirty="0">
+                <a:latin typeface="Aptos" panose="020B0004020202020204" pitchFamily="34" charset="0"/>
+              </a:rPr>
+              <a:t>kernel: 3</a:t>
+            </a:r>
+          </a:p>
+          <a:p>
+            <a:pPr marL="285750" indent="-285750">
+              <a:buFont typeface="Arial" panose="020B0604020202020204" pitchFamily="34" charset="0"/>
+              <a:buChar char="•"/>
+            </a:pPr>
+            <a:r>
+              <a:rPr lang="en-US" sz="1400" dirty="0">
+                <a:latin typeface="Aptos" panose="020B0004020202020204" pitchFamily="34" charset="0"/>
+              </a:rPr>
+              <a:t>stride: 1</a:t>
+            </a:r>
+          </a:p>
+          <a:p>
+            <a:pPr marL="285750" indent="-285750">
+              <a:buFont typeface="Arial" panose="020B0604020202020204" pitchFamily="34" charset="0"/>
+              <a:buChar char="•"/>
+            </a:pPr>
+            <a:r>
+              <a:rPr lang="en-US" sz="1400" dirty="0">
+                <a:latin typeface="Aptos" panose="020B0004020202020204" pitchFamily="34" charset="0"/>
+              </a:rPr>
+              <a:t>padding: 1</a:t>
+            </a:r>
+          </a:p>
+          <a:p>
+            <a:endParaRPr lang="en-US" sz="1400" dirty="0">
+              <a:latin typeface="Aptos" panose="020B0004020202020204" pitchFamily="34" charset="0"/>
+            </a:endParaRPr>
+          </a:p>
+          <a:p>
+            <a:r>
+              <a:rPr lang="en-US" sz="1400" dirty="0">
+                <a:latin typeface="Aptos" panose="020B0004020202020204" pitchFamily="34" charset="0"/>
+              </a:rPr>
+              <a:t>Conv2d-74</a:t>
+            </a:r>
+          </a:p>
+          <a:p>
+            <a:pPr marL="285750" indent="-285750">
+              <a:buFont typeface="Arial" panose="020B0604020202020204" pitchFamily="34" charset="0"/>
+              <a:buChar char="•"/>
+            </a:pPr>
+            <a:r>
+              <a:rPr lang="en-US" sz="1400" dirty="0">
+                <a:latin typeface="Aptos" panose="020B0004020202020204" pitchFamily="34" charset="0"/>
+              </a:rPr>
+              <a:t>out channels: 256</a:t>
+            </a:r>
+          </a:p>
+          <a:p>
+            <a:pPr marL="285750" indent="-285750">
+              <a:buFont typeface="Arial" panose="020B0604020202020204" pitchFamily="34" charset="0"/>
+              <a:buChar char="•"/>
+            </a:pPr>
+            <a:r>
+              <a:rPr lang="en-US" sz="1400" dirty="0">
+                <a:latin typeface="Aptos" panose="020B0004020202020204" pitchFamily="34" charset="0"/>
+              </a:rPr>
+              <a:t>kernel</a:t>
+            </a:r>
+            <a:r>
+              <a:rPr lang="en-US" sz="1400">
+                <a:latin typeface="Aptos" panose="020B0004020202020204" pitchFamily="34" charset="0"/>
+              </a:rPr>
+              <a:t>: 3</a:t>
+            </a:r>
+            <a:endParaRPr lang="en-US" sz="1400" dirty="0">
+              <a:latin typeface="Aptos" panose="020B0004020202020204" pitchFamily="34" charset="0"/>
+            </a:endParaRPr>
+          </a:p>
+          <a:p>
+            <a:pPr marL="285750" indent="-285750">
+              <a:buFont typeface="Arial" panose="020B0604020202020204" pitchFamily="34" charset="0"/>
+              <a:buChar char="•"/>
+            </a:pPr>
+            <a:r>
+              <a:rPr lang="en-US" sz="1400" dirty="0">
+                <a:latin typeface="Aptos" panose="020B0004020202020204" pitchFamily="34" charset="0"/>
+              </a:rPr>
+              <a:t>stride: 1</a:t>
+            </a:r>
+          </a:p>
+          <a:p>
+            <a:pPr marL="285750" indent="-285750">
+              <a:buFont typeface="Arial" panose="020B0604020202020204" pitchFamily="34" charset="0"/>
+              <a:buChar char="•"/>
+            </a:pPr>
+            <a:r>
+              <a:rPr lang="en-US" sz="1400" dirty="0">
+                <a:latin typeface="Aptos" panose="020B0004020202020204" pitchFamily="34" charset="0"/>
+              </a:rPr>
+              <a:t>padding: 1</a:t>
+            </a:r>
+          </a:p>
+          <a:p>
+            <a:endParaRPr lang="en-US" dirty="0">
+              <a:latin typeface="Aptos" panose="020B0004020202020204" pitchFamily="34" charset="0"/>
+            </a:endParaRPr>
+          </a:p>
+        </p:txBody>
+      </p:sp>
     </p:spTree>
     <p:extLst>
       <p:ext uri="{BB962C8B-B14F-4D97-AF65-F5344CB8AC3E}">

--- a/Environmental Sound Classification.pptx
+++ b/Environmental Sound Classification.pptx
@@ -142,7 +142,7 @@
   <pc:docChgLst>
     <pc:chgData name="George Apostolakis" userId="0273ff1191383941" providerId="LiveId" clId="{819F42D1-B850-44B1-B857-2C5556EEEE5F}"/>
     <pc:docChg chg="undo custSel addSld delSld modSld sldOrd">
-      <pc:chgData name="George Apostolakis" userId="0273ff1191383941" providerId="LiveId" clId="{819F42D1-B850-44B1-B857-2C5556EEEE5F}" dt="2024-06-20T15:56:34.449" v="1128" actId="20577"/>
+      <pc:chgData name="George Apostolakis" userId="0273ff1191383941" providerId="LiveId" clId="{819F42D1-B850-44B1-B857-2C5556EEEE5F}" dt="2024-06-22T15:47:17.692" v="1169" actId="6549"/>
       <pc:docMkLst>
         <pc:docMk/>
       </pc:docMkLst>
@@ -288,13 +288,13 @@
         </pc:picChg>
       </pc:sldChg>
       <pc:sldChg chg="addSp delSp modSp add mod">
-        <pc:chgData name="George Apostolakis" userId="0273ff1191383941" providerId="LiveId" clId="{819F42D1-B850-44B1-B857-2C5556EEEE5F}" dt="2024-06-11T08:30:00.125" v="988" actId="20577"/>
+        <pc:chgData name="George Apostolakis" userId="0273ff1191383941" providerId="LiveId" clId="{819F42D1-B850-44B1-B857-2C5556EEEE5F}" dt="2024-06-21T20:19:44.689" v="1151" actId="20577"/>
         <pc:sldMkLst>
           <pc:docMk/>
           <pc:sldMk cId="3147981708" sldId="260"/>
         </pc:sldMkLst>
         <pc:spChg chg="add mod">
-          <ac:chgData name="George Apostolakis" userId="0273ff1191383941" providerId="LiveId" clId="{819F42D1-B850-44B1-B857-2C5556EEEE5F}" dt="2024-06-04T14:54:31.383" v="194" actId="20577"/>
+          <ac:chgData name="George Apostolakis" userId="0273ff1191383941" providerId="LiveId" clId="{819F42D1-B850-44B1-B857-2C5556EEEE5F}" dt="2024-06-21T20:19:44.689" v="1151" actId="20577"/>
           <ac:spMkLst>
             <pc:docMk/>
             <pc:sldMk cId="3147981708" sldId="260"/>
@@ -427,13 +427,13 @@
         </pc:picChg>
       </pc:sldChg>
       <pc:sldChg chg="addSp delSp modSp add mod">
-        <pc:chgData name="George Apostolakis" userId="0273ff1191383941" providerId="LiveId" clId="{819F42D1-B850-44B1-B857-2C5556EEEE5F}" dt="2024-06-04T16:36:46.816" v="905" actId="14100"/>
+        <pc:chgData name="George Apostolakis" userId="0273ff1191383941" providerId="LiveId" clId="{819F42D1-B850-44B1-B857-2C5556EEEE5F}" dt="2024-06-22T15:47:17.692" v="1169" actId="6549"/>
         <pc:sldMkLst>
           <pc:docMk/>
           <pc:sldMk cId="3424138020" sldId="264"/>
         </pc:sldMkLst>
         <pc:spChg chg="mod">
-          <ac:chgData name="George Apostolakis" userId="0273ff1191383941" providerId="LiveId" clId="{819F42D1-B850-44B1-B857-2C5556EEEE5F}" dt="2024-06-04T16:12:16.056" v="784" actId="20577"/>
+          <ac:chgData name="George Apostolakis" userId="0273ff1191383941" providerId="LiveId" clId="{819F42D1-B850-44B1-B857-2C5556EEEE5F}" dt="2024-06-22T15:47:17.692" v="1169" actId="6549"/>
           <ac:spMkLst>
             <pc:docMk/>
             <pc:sldMk cId="3424138020" sldId="264"/>
@@ -458,7 +458,7 @@
         </pc:picChg>
       </pc:sldChg>
       <pc:sldChg chg="addSp delSp modSp add mod">
-        <pc:chgData name="George Apostolakis" userId="0273ff1191383941" providerId="LiveId" clId="{819F42D1-B850-44B1-B857-2C5556EEEE5F}" dt="2024-06-04T16:25:34.300" v="852" actId="1076"/>
+        <pc:chgData name="George Apostolakis" userId="0273ff1191383941" providerId="LiveId" clId="{819F42D1-B850-44B1-B857-2C5556EEEE5F}" dt="2024-06-22T15:44:30.866" v="1157" actId="14100"/>
         <pc:sldMkLst>
           <pc:docMk/>
           <pc:sldMk cId="2675129801" sldId="265"/>
@@ -471,6 +471,14 @@
             <ac:spMk id="3" creationId="{47903A84-BA05-C8FA-86C0-99B3E5FD3804}"/>
           </ac:spMkLst>
         </pc:spChg>
+        <pc:picChg chg="add mod">
+          <ac:chgData name="George Apostolakis" userId="0273ff1191383941" providerId="LiveId" clId="{819F42D1-B850-44B1-B857-2C5556EEEE5F}" dt="2024-06-22T15:44:30.866" v="1157" actId="14100"/>
+          <ac:picMkLst>
+            <pc:docMk/>
+            <pc:sldMk cId="2675129801" sldId="265"/>
+            <ac:picMk id="3" creationId="{E46F7959-85D0-9FB6-BDF7-F5C59ADFDD3C}"/>
+          </ac:picMkLst>
+        </pc:picChg>
         <pc:picChg chg="del">
           <ac:chgData name="George Apostolakis" userId="0273ff1191383941" providerId="LiveId" clId="{819F42D1-B850-44B1-B857-2C5556EEEE5F}" dt="2024-06-04T16:10:03.912" v="746" actId="478"/>
           <ac:picMkLst>
@@ -495,8 +503,8 @@
             <ac:picMk id="9" creationId="{6061C168-6254-8E86-961B-543B7A3379E6}"/>
           </ac:picMkLst>
         </pc:picChg>
-        <pc:picChg chg="add mod">
-          <ac:chgData name="George Apostolakis" userId="0273ff1191383941" providerId="LiveId" clId="{819F42D1-B850-44B1-B857-2C5556EEEE5F}" dt="2024-06-04T16:25:34.300" v="852" actId="1076"/>
+        <pc:picChg chg="add del mod">
+          <ac:chgData name="George Apostolakis" userId="0273ff1191383941" providerId="LiveId" clId="{819F42D1-B850-44B1-B857-2C5556EEEE5F}" dt="2024-06-22T15:44:13.426" v="1152" actId="478"/>
           <ac:picMkLst>
             <pc:docMk/>
             <pc:sldMk cId="2675129801" sldId="265"/>
@@ -754,7 +762,7 @@
           <a:p>
             <a:fld id="{A20AB77E-9112-489A-BA5F-C4445A99AE4D}" type="datetimeFigureOut">
               <a:rPr lang="en-US" smtClean="0"/>
-              <a:t>6/20/2024</a:t>
+              <a:t>6/22/2024</a:t>
             </a:fld>
             <a:endParaRPr lang="en-US"/>
           </a:p>
@@ -1426,7 +1434,7 @@
           <a:p>
             <a:fld id="{F6CCBF3A-D7FB-4B97-8FD5-6FFB20CB1E84}" type="datetimeFigureOut">
               <a:rPr lang="en-US" smtClean="0"/>
-              <a:t>6/20/2024</a:t>
+              <a:t>6/22/2024</a:t>
             </a:fld>
             <a:endParaRPr lang="en-US"/>
           </a:p>
@@ -1667,7 +1675,7 @@
           <a:p>
             <a:fld id="{F6CCBF3A-D7FB-4B97-8FD5-6FFB20CB1E84}" type="datetimeFigureOut">
               <a:rPr lang="en-US" smtClean="0"/>
-              <a:t>6/20/2024</a:t>
+              <a:t>6/22/2024</a:t>
             </a:fld>
             <a:endParaRPr lang="en-US"/>
           </a:p>
@@ -1876,7 +1884,7 @@
           <a:p>
             <a:fld id="{F6CCBF3A-D7FB-4B97-8FD5-6FFB20CB1E84}" type="datetimeFigureOut">
               <a:rPr lang="en-US" smtClean="0"/>
-              <a:t>6/20/2024</a:t>
+              <a:t>6/22/2024</a:t>
             </a:fld>
             <a:endParaRPr lang="en-US"/>
           </a:p>
@@ -2118,7 +2126,7 @@
           <a:p>
             <a:fld id="{F6CCBF3A-D7FB-4B97-8FD5-6FFB20CB1E84}" type="datetimeFigureOut">
               <a:rPr lang="en-US" smtClean="0"/>
-              <a:t>6/20/2024</a:t>
+              <a:t>6/22/2024</a:t>
             </a:fld>
             <a:endParaRPr lang="en-US"/>
           </a:p>
@@ -2396,7 +2404,7 @@
           <a:p>
             <a:fld id="{F6CCBF3A-D7FB-4B97-8FD5-6FFB20CB1E84}" type="datetimeFigureOut">
               <a:rPr lang="en-US" smtClean="0"/>
-              <a:t>6/20/2024</a:t>
+              <a:t>6/22/2024</a:t>
             </a:fld>
             <a:endParaRPr lang="en-US"/>
           </a:p>
@@ -2662,7 +2670,7 @@
           <a:p>
             <a:fld id="{F6CCBF3A-D7FB-4B97-8FD5-6FFB20CB1E84}" type="datetimeFigureOut">
               <a:rPr lang="en-US" smtClean="0"/>
-              <a:t>6/20/2024</a:t>
+              <a:t>6/22/2024</a:t>
             </a:fld>
             <a:endParaRPr lang="en-US"/>
           </a:p>
@@ -3075,7 +3083,7 @@
           <a:p>
             <a:fld id="{F6CCBF3A-D7FB-4B97-8FD5-6FFB20CB1E84}" type="datetimeFigureOut">
               <a:rPr lang="en-US" smtClean="0"/>
-              <a:t>6/20/2024</a:t>
+              <a:t>6/22/2024</a:t>
             </a:fld>
             <a:endParaRPr lang="en-US"/>
           </a:p>
@@ -3222,7 +3230,7 @@
           <a:p>
             <a:fld id="{F6CCBF3A-D7FB-4B97-8FD5-6FFB20CB1E84}" type="datetimeFigureOut">
               <a:rPr lang="en-US" smtClean="0"/>
-              <a:t>6/20/2024</a:t>
+              <a:t>6/22/2024</a:t>
             </a:fld>
             <a:endParaRPr lang="en-US"/>
           </a:p>
@@ -3335,7 +3343,7 @@
           <a:p>
             <a:fld id="{F6CCBF3A-D7FB-4B97-8FD5-6FFB20CB1E84}" type="datetimeFigureOut">
               <a:rPr lang="en-US" smtClean="0"/>
-              <a:t>6/20/2024</a:t>
+              <a:t>6/22/2024</a:t>
             </a:fld>
             <a:endParaRPr lang="en-US"/>
           </a:p>
@@ -3647,7 +3655,7 @@
           <a:p>
             <a:fld id="{F6CCBF3A-D7FB-4B97-8FD5-6FFB20CB1E84}" type="datetimeFigureOut">
               <a:rPr lang="en-US" smtClean="0"/>
-              <a:t>6/20/2024</a:t>
+              <a:t>6/22/2024</a:t>
             </a:fld>
             <a:endParaRPr lang="en-US"/>
           </a:p>
@@ -3982,7 +3990,7 @@
           <a:p>
             <a:fld id="{F6CCBF3A-D7FB-4B97-8FD5-6FFB20CB1E84}" type="datetimeFigureOut">
               <a:rPr lang="en-US" smtClean="0"/>
-              <a:t>6/20/2024</a:t>
+              <a:t>6/22/2024</a:t>
             </a:fld>
             <a:endParaRPr lang="en-US"/>
           </a:p>
@@ -4266,7 +4274,7 @@
           <a:p>
             <a:fld id="{F6CCBF3A-D7FB-4B97-8FD5-6FFB20CB1E84}" type="datetimeFigureOut">
               <a:rPr lang="en-US" smtClean="0"/>
-              <a:t>6/20/2024</a:t>
+              <a:t>6/22/2024</a:t>
             </a:fld>
             <a:endParaRPr lang="en-US"/>
           </a:p>
@@ -5047,10 +5055,10 @@
       </p:sp>
       <p:pic>
         <p:nvPicPr>
-          <p:cNvPr id="11" name="Picture 10">
-            <a:extLst>
-              <a:ext uri="{FF2B5EF4-FFF2-40B4-BE49-F238E27FC236}">
-                <a16:creationId xmlns:a16="http://schemas.microsoft.com/office/drawing/2014/main" id="{0E2B9DF0-C9D4-0123-718D-D0A9C7D703D5}"/>
+          <p:cNvPr id="3" name="Picture 2">
+            <a:extLst>
+              <a:ext uri="{FF2B5EF4-FFF2-40B4-BE49-F238E27FC236}">
+                <a16:creationId xmlns:a16="http://schemas.microsoft.com/office/drawing/2014/main" id="{E46F7959-85D0-9FB6-BDF7-F5C59ADFDD3C}"/>
               </a:ext>
             </a:extLst>
           </p:cNvPr>
@@ -5067,8 +5075,8 @@
         </p:blipFill>
         <p:spPr>
           <a:xfrm>
-            <a:off x="2589602" y="254524"/>
-            <a:ext cx="9508129" cy="6155703"/>
+            <a:off x="2512643" y="274320"/>
+            <a:ext cx="9506782" cy="6391656"/>
           </a:xfrm>
           <a:prstGeom prst="rect">
             <a:avLst/>
@@ -8212,7 +8220,15 @@
                 <a:ea typeface="Aptos" panose="020B0004020202020204" pitchFamily="34" charset="0"/>
                 <a:cs typeface="Times New Roman" panose="02020603050405020304" pitchFamily="18" charset="0"/>
               </a:rPr>
-              <a:t>Process done to all the files, so total files become 4000</a:t>
+              <a:t>Process done to the test files, so total files </a:t>
+            </a:r>
+            <a:r>
+              <a:rPr lang="en-US" kern="100">
+                <a:latin typeface="Aptos" panose="020B0004020202020204" pitchFamily="34" charset="0"/>
+                <a:ea typeface="Aptos" panose="020B0004020202020204" pitchFamily="34" charset="0"/>
+                <a:cs typeface="Times New Roman" panose="02020603050405020304" pitchFamily="18" charset="0"/>
+              </a:rPr>
+              <a:t>become 3350</a:t>
             </a:r>
             <a:endParaRPr lang="en-US" sz="1800" kern="100" dirty="0">
               <a:effectLst/>
@@ -9662,7 +9678,7 @@
                 <a:ea typeface="Aptos" panose="020B0004020202020204" pitchFamily="34" charset="0"/>
                 <a:cs typeface="Times New Roman" panose="02020603050405020304" pitchFamily="18" charset="0"/>
               </a:rPr>
-              <a:t>Val Accuracy: 53.35%</a:t>
+              <a:t>Val Accuracy: 50.00%</a:t>
             </a:r>
           </a:p>
           <a:p>
@@ -9681,7 +9697,7 @@
                 <a:ea typeface="Aptos" panose="020B0004020202020204" pitchFamily="34" charset="0"/>
                 <a:cs typeface="Times New Roman" panose="02020603050405020304" pitchFamily="18" charset="0"/>
               </a:rPr>
-              <a:t>Test Accuracy: 54.00%</a:t>
+              <a:t>Test Accuracy: 48.77%</a:t>
             </a:r>
           </a:p>
         </p:txBody>
